--- a/jeopardy-20162.pptx
+++ b/jeopardy-20162.pptx
@@ -243,7 +243,7 @@
           <a:p>
             <a:fld id="{4F0BA050-5E27-4C87-9513-E8B40BE52BB6}" type="datetimeFigureOut">
               <a:rPr lang="en-GB" smtClean="0"/>
-              <a:t>26/01/2018</a:t>
+              <a:t>03/04/2018</a:t>
             </a:fld>
             <a:endParaRPr lang="en-GB" dirty="0"/>
           </a:p>
@@ -5171,7 +5171,7 @@
           <a:p>
             <a:fld id="{A8EFFCD3-0B3C-4715-BBA8-9FB92C116B65}" type="datetimeFigureOut">
               <a:rPr lang="en-GB" smtClean="0"/>
-              <a:t>26/01/2018</a:t>
+              <a:t>03/04/2018</a:t>
             </a:fld>
             <a:endParaRPr lang="en-GB" dirty="0"/>
           </a:p>
@@ -5341,7 +5341,7 @@
           <a:p>
             <a:fld id="{A8EFFCD3-0B3C-4715-BBA8-9FB92C116B65}" type="datetimeFigureOut">
               <a:rPr lang="en-GB" smtClean="0"/>
-              <a:t>26/01/2018</a:t>
+              <a:t>03/04/2018</a:t>
             </a:fld>
             <a:endParaRPr lang="en-GB" dirty="0"/>
           </a:p>
@@ -5521,7 +5521,7 @@
           <a:p>
             <a:fld id="{A8EFFCD3-0B3C-4715-BBA8-9FB92C116B65}" type="datetimeFigureOut">
               <a:rPr lang="en-GB" smtClean="0"/>
-              <a:t>26/01/2018</a:t>
+              <a:t>03/04/2018</a:t>
             </a:fld>
             <a:endParaRPr lang="en-GB" dirty="0"/>
           </a:p>
@@ -5691,7 +5691,7 @@
           <a:p>
             <a:fld id="{A8EFFCD3-0B3C-4715-BBA8-9FB92C116B65}" type="datetimeFigureOut">
               <a:rPr lang="en-GB" smtClean="0"/>
-              <a:t>26/01/2018</a:t>
+              <a:t>03/04/2018</a:t>
             </a:fld>
             <a:endParaRPr lang="en-GB" dirty="0"/>
           </a:p>
@@ -5937,7 +5937,7 @@
           <a:p>
             <a:fld id="{A8EFFCD3-0B3C-4715-BBA8-9FB92C116B65}" type="datetimeFigureOut">
               <a:rPr lang="en-GB" smtClean="0"/>
-              <a:t>26/01/2018</a:t>
+              <a:t>03/04/2018</a:t>
             </a:fld>
             <a:endParaRPr lang="en-GB" dirty="0"/>
           </a:p>
@@ -6169,7 +6169,7 @@
           <a:p>
             <a:fld id="{A8EFFCD3-0B3C-4715-BBA8-9FB92C116B65}" type="datetimeFigureOut">
               <a:rPr lang="en-GB" smtClean="0"/>
-              <a:t>26/01/2018</a:t>
+              <a:t>03/04/2018</a:t>
             </a:fld>
             <a:endParaRPr lang="en-GB" dirty="0"/>
           </a:p>
@@ -6536,7 +6536,7 @@
           <a:p>
             <a:fld id="{A8EFFCD3-0B3C-4715-BBA8-9FB92C116B65}" type="datetimeFigureOut">
               <a:rPr lang="en-GB" smtClean="0"/>
-              <a:t>26/01/2018</a:t>
+              <a:t>03/04/2018</a:t>
             </a:fld>
             <a:endParaRPr lang="en-GB" dirty="0"/>
           </a:p>
@@ -6654,7 +6654,7 @@
           <a:p>
             <a:fld id="{A8EFFCD3-0B3C-4715-BBA8-9FB92C116B65}" type="datetimeFigureOut">
               <a:rPr lang="en-GB" smtClean="0"/>
-              <a:t>26/01/2018</a:t>
+              <a:t>03/04/2018</a:t>
             </a:fld>
             <a:endParaRPr lang="en-GB" dirty="0"/>
           </a:p>
@@ -6749,7 +6749,7 @@
           <a:p>
             <a:fld id="{A8EFFCD3-0B3C-4715-BBA8-9FB92C116B65}" type="datetimeFigureOut">
               <a:rPr lang="en-GB" smtClean="0"/>
-              <a:t>26/01/2018</a:t>
+              <a:t>03/04/2018</a:t>
             </a:fld>
             <a:endParaRPr lang="en-GB" dirty="0"/>
           </a:p>
@@ -7026,7 +7026,7 @@
           <a:p>
             <a:fld id="{A8EFFCD3-0B3C-4715-BBA8-9FB92C116B65}" type="datetimeFigureOut">
               <a:rPr lang="en-GB" smtClean="0"/>
-              <a:t>26/01/2018</a:t>
+              <a:t>03/04/2018</a:t>
             </a:fld>
             <a:endParaRPr lang="en-GB" dirty="0"/>
           </a:p>
@@ -7283,7 +7283,7 @@
           <a:p>
             <a:fld id="{A8EFFCD3-0B3C-4715-BBA8-9FB92C116B65}" type="datetimeFigureOut">
               <a:rPr lang="en-GB" smtClean="0"/>
-              <a:t>26/01/2018</a:t>
+              <a:t>03/04/2018</a:t>
             </a:fld>
             <a:endParaRPr lang="en-GB" dirty="0"/>
           </a:p>
@@ -7496,7 +7496,7 @@
           <a:p>
             <a:fld id="{A8EFFCD3-0B3C-4715-BBA8-9FB92C116B65}" type="datetimeFigureOut">
               <a:rPr lang="en-GB" smtClean="0"/>
-              <a:t>26/01/2018</a:t>
+              <a:t>03/04/2018</a:t>
             </a:fld>
             <a:endParaRPr lang="en-GB" dirty="0"/>
           </a:p>
@@ -8141,7 +8141,7 @@
                 </a:solidFill>
                 <a:latin typeface="Century Gothic" panose="020B0502020202020204" pitchFamily="34" charset="0"/>
               </a:rPr>
-              <a:t>Branding pitch is also known as…</a:t>
+              <a:t>Branding Pitch should be around ___  seconds.</a:t>
             </a:r>
             <a:endParaRPr lang="en-US" sz="6000" dirty="0">
               <a:solidFill>
@@ -8225,7 +8225,16 @@
                 </a:solidFill>
                 <a:latin typeface="Century Gothic" panose="020B0502020202020204" pitchFamily="34" charset="0"/>
               </a:rPr>
-              <a:t>What is the Elevator Speech?</a:t>
+              <a:t>What is </a:t>
+            </a:r>
+            <a:r>
+              <a:rPr lang="en-US" sz="6000" dirty="0" smtClean="0">
+                <a:solidFill>
+                  <a:schemeClr val="tx1"/>
+                </a:solidFill>
+                <a:latin typeface="Century Gothic" panose="020B0502020202020204" pitchFamily="34" charset="0"/>
+              </a:rPr>
+              <a:t>30?</a:t>
             </a:r>
             <a:endParaRPr lang="en-US" sz="6000" dirty="0">
               <a:solidFill>
@@ -8839,7 +8848,7 @@
                 </a:solidFill>
                 <a:latin typeface="Century Gothic" panose="020B0502020202020204" pitchFamily="34" charset="0"/>
               </a:rPr>
-              <a:t>Define Unique Selling Proposition</a:t>
+              <a:t>This question is typically asked in an interview.</a:t>
             </a:r>
             <a:endParaRPr lang="en-US" sz="6000" dirty="0">
               <a:solidFill>
@@ -8923,7 +8932,16 @@
                 </a:solidFill>
                 <a:latin typeface="Century Gothic" panose="020B0502020202020204" pitchFamily="34" charset="0"/>
               </a:rPr>
-              <a:t>What makes you different from your competition?</a:t>
+              <a:t>What is “Tell me about yourself”</a:t>
+            </a:r>
+            <a:r>
+              <a:rPr lang="en-US" sz="6000" dirty="0" smtClean="0">
+                <a:solidFill>
+                  <a:schemeClr val="tx1"/>
+                </a:solidFill>
+                <a:latin typeface="Century Gothic" panose="020B0502020202020204" pitchFamily="34" charset="0"/>
+              </a:rPr>
+              <a:t>?</a:t>
             </a:r>
             <a:endParaRPr lang="en-US" sz="6000" dirty="0">
               <a:solidFill>
@@ -9188,25 +9206,7 @@
                 </a:solidFill>
                 <a:latin typeface="Century Gothic" panose="020B0502020202020204" pitchFamily="34" charset="0"/>
               </a:rPr>
-              <a:t>Reaching out to your colleagues, ex-coworkers, former supervisors, and developing new contacts </a:t>
-            </a:r>
-            <a:r>
-              <a:rPr lang="en-US" sz="6000" dirty="0" smtClean="0">
-                <a:solidFill>
-                  <a:schemeClr val="tx1"/>
-                </a:solidFill>
-                <a:latin typeface="Century Gothic" panose="020B0502020202020204" pitchFamily="34" charset="0"/>
-              </a:rPr>
-              <a:t>are also known as</a:t>
-            </a:r>
-            <a:r>
-              <a:rPr lang="en-US" sz="6000" dirty="0" smtClean="0">
-                <a:solidFill>
-                  <a:schemeClr val="tx1"/>
-                </a:solidFill>
-                <a:latin typeface="Century Gothic" panose="020B0502020202020204" pitchFamily="34" charset="0"/>
-              </a:rPr>
-              <a:t>:</a:t>
+              <a:t>Reaching out to your colleagues, ex-coworkers, former supervisors, and developing new contacts are also known as:</a:t>
             </a:r>
             <a:endParaRPr lang="en-US" sz="6000" dirty="0">
               <a:solidFill>
@@ -9543,7 +9543,7 @@
         </p:style>
         <p:txBody>
           <a:bodyPr rtlCol="0" anchor="ctr">
-            <a:normAutofit fontScale="77500" lnSpcReduction="20000"/>
+            <a:normAutofit fontScale="92500" lnSpcReduction="10000"/>
           </a:bodyPr>
           <a:lstStyle/>
           <a:p>
@@ -9555,7 +9555,7 @@
                 </a:solidFill>
                 <a:latin typeface="Century Gothic" panose="020B0502020202020204" pitchFamily="34" charset="0"/>
               </a:rPr>
-              <a:t>It is a good idea to write a ______ before cold-calling or conducting an informational interview.</a:t>
+              <a:t>It is important to give careful thought to the kind of ____ or career you to go after.</a:t>
             </a:r>
             <a:endParaRPr lang="en-US" sz="6000" dirty="0">
               <a:solidFill>
@@ -9639,7 +9639,16 @@
                 </a:solidFill>
                 <a:latin typeface="Century Gothic" panose="020B0502020202020204" pitchFamily="34" charset="0"/>
               </a:rPr>
-              <a:t>What is a script?</a:t>
+              <a:t>What </a:t>
+            </a:r>
+            <a:r>
+              <a:rPr lang="en-US" sz="6000" dirty="0" smtClean="0">
+                <a:solidFill>
+                  <a:schemeClr val="tx1"/>
+                </a:solidFill>
+                <a:latin typeface="Century Gothic" panose="020B0502020202020204" pitchFamily="34" charset="0"/>
+              </a:rPr>
+              <a:t>is a job?</a:t>
             </a:r>
             <a:endParaRPr lang="en-US" sz="6000" dirty="0">
               <a:solidFill>
@@ -9904,7 +9913,7 @@
                 </a:solidFill>
                 <a:latin typeface="Century Gothic" panose="020B0502020202020204" pitchFamily="34" charset="0"/>
               </a:rPr>
-              <a:t>Before </a:t>
+              <a:t>While looking for a job, it is important to budget and manage _______</a:t>
             </a:r>
             <a:r>
               <a:rPr lang="en-US" sz="6000" dirty="0" smtClean="0">
@@ -9913,34 +9922,7 @@
                 </a:solidFill>
                 <a:latin typeface="Century Gothic" panose="020B0502020202020204" pitchFamily="34" charset="0"/>
               </a:rPr>
-              <a:t>interview, </a:t>
-            </a:r>
-            <a:r>
-              <a:rPr lang="en-US" sz="6000" dirty="0" smtClean="0">
-                <a:solidFill>
-                  <a:schemeClr val="tx1"/>
-                </a:solidFill>
-                <a:latin typeface="Century Gothic" panose="020B0502020202020204" pitchFamily="34" charset="0"/>
-              </a:rPr>
-              <a:t>a </a:t>
-            </a:r>
-            <a:r>
-              <a:rPr lang="en-US" sz="6000" dirty="0">
-                <a:solidFill>
-                  <a:schemeClr val="tx1"/>
-                </a:solidFill>
-                <a:latin typeface="Century Gothic" panose="020B0502020202020204" pitchFamily="34" charset="0"/>
-              </a:rPr>
-              <a:t>l</a:t>
-            </a:r>
-            <a:r>
-              <a:rPr lang="en-US" sz="6000" dirty="0" smtClean="0">
-                <a:solidFill>
-                  <a:schemeClr val="tx1"/>
-                </a:solidFill>
-                <a:latin typeface="Century Gothic" panose="020B0502020202020204" pitchFamily="34" charset="0"/>
-              </a:rPr>
-              <a:t>ist of personal and professional ______ are up to date.</a:t>
+              <a:t>.</a:t>
             </a:r>
             <a:endParaRPr lang="en-US" sz="6000" dirty="0">
               <a:solidFill>
@@ -10024,7 +10006,16 @@
                 </a:solidFill>
                 <a:latin typeface="Century Gothic" panose="020B0502020202020204" pitchFamily="34" charset="0"/>
               </a:rPr>
-              <a:t>What are references?</a:t>
+              <a:t>What </a:t>
+            </a:r>
+            <a:r>
+              <a:rPr lang="en-US" sz="6000" dirty="0" smtClean="0">
+                <a:solidFill>
+                  <a:schemeClr val="tx1"/>
+                </a:solidFill>
+                <a:latin typeface="Century Gothic" panose="020B0502020202020204" pitchFamily="34" charset="0"/>
+              </a:rPr>
+              <a:t>are finances?</a:t>
             </a:r>
             <a:endParaRPr lang="en-US" sz="6000" dirty="0">
               <a:solidFill>
@@ -10683,7 +10674,16 @@
                 </a:solidFill>
                 <a:latin typeface="Century Gothic" panose="020B0502020202020204" pitchFamily="34" charset="0"/>
               </a:rPr>
-              <a:t>This Social Media brand is a professional social networking media.</a:t>
+              <a:t>This Social Media brand is a professional social networking </a:t>
+            </a:r>
+            <a:r>
+              <a:rPr lang="en-US" sz="6000" dirty="0" smtClean="0">
+                <a:solidFill>
+                  <a:schemeClr val="tx1"/>
+                </a:solidFill>
+                <a:latin typeface="Century Gothic" panose="020B0502020202020204" pitchFamily="34" charset="0"/>
+              </a:rPr>
+              <a:t>media (not Facebook).</a:t>
             </a:r>
             <a:endParaRPr lang="en-US" sz="6000" dirty="0">
               <a:solidFill>
@@ -11419,7 +11419,7 @@
         </p:style>
         <p:txBody>
           <a:bodyPr rtlCol="0" anchor="ctr">
-            <a:normAutofit fontScale="92500" lnSpcReduction="10000"/>
+            <a:normAutofit fontScale="77500" lnSpcReduction="20000"/>
           </a:bodyPr>
           <a:lstStyle/>
           <a:p>
@@ -11431,7 +11431,16 @@
                 </a:solidFill>
                 <a:latin typeface="Century Gothic" panose="020B0502020202020204" pitchFamily="34" charset="0"/>
               </a:rPr>
-              <a:t>Situation or Task, Action and Result is also known as the ______ method.</a:t>
+              <a:t>When asked about my weakness, I want to show that I’m human and turn that weakness into _______</a:t>
+            </a:r>
+            <a:r>
+              <a:rPr lang="en-US" sz="6000" dirty="0" smtClean="0">
+                <a:solidFill>
+                  <a:schemeClr val="tx1"/>
+                </a:solidFill>
+                <a:latin typeface="Century Gothic" panose="020B0502020202020204" pitchFamily="34" charset="0"/>
+              </a:rPr>
+              <a:t>.</a:t>
             </a:r>
             <a:endParaRPr lang="en-US" sz="6000" dirty="0">
               <a:solidFill>
@@ -11515,7 +11524,16 @@
                 </a:solidFill>
                 <a:latin typeface="Century Gothic" panose="020B0502020202020204" pitchFamily="34" charset="0"/>
               </a:rPr>
-              <a:t>What is the STAR Method?</a:t>
+              <a:t>What </a:t>
+            </a:r>
+            <a:r>
+              <a:rPr lang="en-US" sz="6000" dirty="0" smtClean="0">
+                <a:solidFill>
+                  <a:schemeClr val="tx1"/>
+                </a:solidFill>
+                <a:latin typeface="Century Gothic" panose="020B0502020202020204" pitchFamily="34" charset="0"/>
+              </a:rPr>
+              <a:t>is Strength or Advantage?</a:t>
             </a:r>
             <a:endParaRPr lang="en-US" sz="6000" dirty="0">
               <a:solidFill>
@@ -16159,7 +16177,7 @@
         </p:style>
         <p:txBody>
           <a:bodyPr rtlCol="0" anchor="ctr">
-            <a:normAutofit fontScale="77500" lnSpcReduction="20000"/>
+            <a:normAutofit fontScale="85000" lnSpcReduction="10000"/>
           </a:bodyPr>
           <a:lstStyle/>
           <a:p>
@@ -16171,7 +16189,7 @@
                 </a:solidFill>
                 <a:latin typeface="Century Gothic" panose="020B0502020202020204" pitchFamily="34" charset="0"/>
               </a:rPr>
-              <a:t>Eye contact, poise, handshake, hand gestures, tapping legs and fidgeting are forms of __________ communication.</a:t>
+              <a:t>I come to each interview with a series of specific _____ I would like to ask the employer.</a:t>
             </a:r>
             <a:endParaRPr lang="en-US" sz="6000" dirty="0">
               <a:solidFill>
@@ -16255,7 +16273,16 @@
                 </a:solidFill>
                 <a:latin typeface="Century Gothic" panose="020B0502020202020204" pitchFamily="34" charset="0"/>
               </a:rPr>
-              <a:t>What is non-verbal?</a:t>
+              <a:t>What </a:t>
+            </a:r>
+            <a:r>
+              <a:rPr lang="en-US" sz="6000" dirty="0" smtClean="0">
+                <a:solidFill>
+                  <a:schemeClr val="tx1"/>
+                </a:solidFill>
+                <a:latin typeface="Century Gothic" panose="020B0502020202020204" pitchFamily="34" charset="0"/>
+              </a:rPr>
+              <a:t>are questions?</a:t>
             </a:r>
             <a:endParaRPr lang="en-US" sz="6000" dirty="0">
               <a:solidFill>
@@ -16545,7 +16572,7 @@
                 </a:solidFill>
                 <a:latin typeface="Century Gothic" panose="020B0502020202020204" pitchFamily="34" charset="0"/>
               </a:rPr>
-              <a:t>It is highly recommended to have at least 2 to 3 ________ for the employer at the end of the job interview.</a:t>
+              <a:t>According to the Quiz sheet, it is important to review and _____ my answers to the 30 to 40 most common job interview questions.</a:t>
             </a:r>
             <a:endParaRPr lang="en-US" sz="6000" dirty="0">
               <a:solidFill>
@@ -16629,7 +16656,16 @@
                 </a:solidFill>
                 <a:latin typeface="Century Gothic" panose="020B0502020202020204" pitchFamily="34" charset="0"/>
               </a:rPr>
-              <a:t>What are questions?</a:t>
+              <a:t>What </a:t>
+            </a:r>
+            <a:r>
+              <a:rPr lang="en-US" sz="6000" dirty="0" smtClean="0">
+                <a:solidFill>
+                  <a:schemeClr val="tx1"/>
+                </a:solidFill>
+                <a:latin typeface="Century Gothic" panose="020B0502020202020204" pitchFamily="34" charset="0"/>
+              </a:rPr>
+              <a:t>is rehearse?</a:t>
             </a:r>
             <a:endParaRPr lang="en-US" sz="6000" dirty="0">
               <a:solidFill>
@@ -16919,7 +16955,7 @@
                 </a:solidFill>
                 <a:latin typeface="Century Gothic" panose="020B0502020202020204" pitchFamily="34" charset="0"/>
               </a:rPr>
-              <a:t>When the interviewer asks about your negative past, a positive-negative-positive approach can be used.  This method is also called:</a:t>
+              <a:t>When asked about salary expectations, I use an appropriate ____ instead of a precise figure.</a:t>
             </a:r>
             <a:endParaRPr lang="en-US" sz="6000" dirty="0">
               <a:solidFill>
@@ -17003,7 +17039,16 @@
                 </a:solidFill>
                 <a:latin typeface="Century Gothic" panose="020B0502020202020204" pitchFamily="34" charset="0"/>
               </a:rPr>
-              <a:t>What is the Sandwich Method?</a:t>
+              <a:t>What </a:t>
+            </a:r>
+            <a:r>
+              <a:rPr lang="en-US" sz="6000" dirty="0" smtClean="0">
+                <a:solidFill>
+                  <a:schemeClr val="tx1"/>
+                </a:solidFill>
+                <a:latin typeface="Century Gothic" panose="020B0502020202020204" pitchFamily="34" charset="0"/>
+              </a:rPr>
+              <a:t>is range?</a:t>
             </a:r>
             <a:endParaRPr lang="en-US" sz="6000" dirty="0">
               <a:solidFill>
@@ -19802,25 +19847,7 @@
                 </a:solidFill>
                 <a:latin typeface="Century Gothic" panose="020B0502020202020204" pitchFamily="34" charset="0"/>
               </a:rPr>
-              <a:t>A r</a:t>
-            </a:r>
-            <a:r>
-              <a:rPr lang="en-US" sz="6000" dirty="0" smtClean="0">
-                <a:solidFill>
-                  <a:schemeClr val="tx1"/>
-                </a:solidFill>
-                <a:latin typeface="Century Gothic" panose="020B0502020202020204" pitchFamily="34" charset="0"/>
-              </a:rPr>
-              <a:t>esume </a:t>
-            </a:r>
-            <a:r>
-              <a:rPr lang="en-US" sz="6000" dirty="0" smtClean="0">
-                <a:solidFill>
-                  <a:schemeClr val="tx1"/>
-                </a:solidFill>
-                <a:latin typeface="Century Gothic" panose="020B0502020202020204" pitchFamily="34" charset="0"/>
-              </a:rPr>
-              <a:t>is one of the three of these.</a:t>
+              <a:t>A resume is one of the three of these.</a:t>
             </a:r>
             <a:endParaRPr lang="en-US" sz="6000" dirty="0">
               <a:solidFill>
@@ -23789,16 +23816,7 @@
                 </a:solidFill>
                 <a:latin typeface="Century Gothic" panose="020B0502020202020204" pitchFamily="34" charset="0"/>
               </a:rPr>
-              <a:t>A resume </a:t>
-            </a:r>
-            <a:r>
-              <a:rPr lang="en-US" sz="6000" dirty="0" smtClean="0">
-                <a:solidFill>
-                  <a:schemeClr val="tx1"/>
-                </a:solidFill>
-                <a:latin typeface="Century Gothic" panose="020B0502020202020204" pitchFamily="34" charset="0"/>
-              </a:rPr>
-              <a:t>cannot be more than how many pages?</a:t>
+              <a:t>A resume cannot be more than how many pages?</a:t>
             </a:r>
             <a:endParaRPr lang="en-US" sz="6000" dirty="0">
               <a:solidFill>
@@ -27734,7 +27752,7 @@
         </p:style>
         <p:txBody>
           <a:bodyPr rtlCol="0" anchor="ctr">
-            <a:normAutofit/>
+            <a:normAutofit fontScale="77500" lnSpcReduction="20000"/>
           </a:bodyPr>
           <a:lstStyle/>
           <a:p>
@@ -27746,7 +27764,7 @@
                 </a:solidFill>
                 <a:latin typeface="Century Gothic" panose="020B0502020202020204" pitchFamily="34" charset="0"/>
               </a:rPr>
-              <a:t>This type of resume is the most effective.</a:t>
+              <a:t>It is important to have someone who knows about ______  to critique the content, layout, spelling, grammar.</a:t>
             </a:r>
             <a:endParaRPr lang="en-US" sz="6000" dirty="0">
               <a:solidFill>
@@ -28444,7 +28462,16 @@
                 </a:solidFill>
                 <a:latin typeface="Century Gothic" panose="020B0502020202020204" pitchFamily="34" charset="0"/>
               </a:rPr>
-              <a:t>Branding pitch cannot be longer than..</a:t>
+              <a:t>Branding pitch </a:t>
+            </a:r>
+            <a:r>
+              <a:rPr lang="en-US" sz="6000" dirty="0" smtClean="0">
+                <a:solidFill>
+                  <a:schemeClr val="tx1"/>
+                </a:solidFill>
+                <a:latin typeface="Century Gothic" panose="020B0502020202020204" pitchFamily="34" charset="0"/>
+              </a:rPr>
+              <a:t>is also known as the ___ __.</a:t>
             </a:r>
             <a:endParaRPr lang="en-US" sz="6000" dirty="0">
               <a:solidFill>
@@ -28528,7 +28555,7 @@
                 </a:solidFill>
                 <a:latin typeface="Century Gothic" panose="020B0502020202020204" pitchFamily="34" charset="0"/>
               </a:rPr>
-              <a:t>What is 30 seconds?</a:t>
+              <a:t>What is the Elevator Pitch?</a:t>
             </a:r>
             <a:endParaRPr lang="en-US" sz="6000" dirty="0">
               <a:solidFill>
